--- a/Kick_off_slides [Autosaved].pptx
+++ b/Kick_off_slides [Autosaved].pptx
@@ -10,9 +10,10 @@
     <p:sldId id="260" r:id="rId4"/>
     <p:sldId id="257" r:id="rId5"/>
     <p:sldId id="258" r:id="rId6"/>
-    <p:sldId id="261" r:id="rId7"/>
-    <p:sldId id="262" r:id="rId8"/>
-    <p:sldId id="263" r:id="rId9"/>
+    <p:sldId id="264" r:id="rId7"/>
+    <p:sldId id="261" r:id="rId8"/>
+    <p:sldId id="262" r:id="rId9"/>
+    <p:sldId id="263" r:id="rId10"/>
   </p:sldIdLst>
   <p:sldSz cx="12192000" cy="6858000"/>
   <p:notesSz cx="6858000" cy="9144000"/>
@@ -3850,7 +3851,7 @@
           <p:cNvPr id="2" name="Title 1">
             <a:extLst>
               <a:ext uri="{FF2B5EF4-FFF2-40B4-BE49-F238E27FC236}">
-                <a16:creationId xmlns:a16="http://schemas.microsoft.com/office/drawing/2014/main" id="{9EF400D2-4FBD-DF5F-0A6D-BAF3082E4094}"/>
+                <a16:creationId xmlns:a16="http://schemas.microsoft.com/office/drawing/2014/main" id="{7BC6F52E-39FD-83E4-AA6B-DFF8A5040576}"/>
               </a:ext>
             </a:extLst>
           </p:cNvPr>
@@ -3868,25 +3869,25 @@
           <a:p>
             <a:r>
               <a:rPr lang="en-US" dirty="0"/>
-              <a:t>Tutoring</a:t>
-            </a:r>
-          </a:p>
-        </p:txBody>
-      </p:sp>
-      <p:sp>
-        <p:nvSpPr>
-          <p:cNvPr id="3" name="Text Placeholder 2">
-            <a:extLst>
-              <a:ext uri="{FF2B5EF4-FFF2-40B4-BE49-F238E27FC236}">
-                <a16:creationId xmlns:a16="http://schemas.microsoft.com/office/drawing/2014/main" id="{563DED92-0758-A101-1B06-130253CC01C6}"/>
-              </a:ext>
-            </a:extLst>
-          </p:cNvPr>
-          <p:cNvSpPr>
-            <a:spLocks noGrp="1"/>
-          </p:cNvSpPr>
-          <p:nvPr>
-            <p:ph type="body" idx="1"/>
+              <a:t>Learning curriculum </a:t>
+            </a:r>
+          </a:p>
+        </p:txBody>
+      </p:sp>
+      <p:sp>
+        <p:nvSpPr>
+          <p:cNvPr id="3" name="Content Placeholder 2">
+            <a:extLst>
+              <a:ext uri="{FF2B5EF4-FFF2-40B4-BE49-F238E27FC236}">
+                <a16:creationId xmlns:a16="http://schemas.microsoft.com/office/drawing/2014/main" id="{9191F926-F587-6513-265A-DEDBE6EF9E82}"/>
+              </a:ext>
+            </a:extLst>
+          </p:cNvPr>
+          <p:cNvSpPr>
+            <a:spLocks noGrp="1"/>
+          </p:cNvSpPr>
+          <p:nvPr>
+            <p:ph idx="1"/>
           </p:nvPr>
         </p:nvSpPr>
         <p:spPr/>
@@ -3896,15 +3897,60 @@
           <a:p>
             <a:r>
               <a:rPr lang="en-US" dirty="0"/>
-              <a:t>Lead By Tom, Jack</a:t>
-            </a:r>
-          </a:p>
-        </p:txBody>
-      </p:sp>
+              <a:t>Blender</a:t>
+            </a:r>
+          </a:p>
+          <a:p>
+            <a:pPr lvl="1"/>
+            <a:r>
+              <a:rPr lang="en-US" dirty="0"/>
+              <a:t>Donut tutorial</a:t>
+            </a:r>
+          </a:p>
+          <a:p>
+            <a:pPr lvl="1"/>
+            <a:endParaRPr lang="en-US" dirty="0"/>
+          </a:p>
+          <a:p>
+            <a:pPr lvl="1"/>
+            <a:endParaRPr lang="en-US" dirty="0"/>
+          </a:p>
+        </p:txBody>
+      </p:sp>
+      <p:pic>
+        <p:nvPicPr>
+          <p:cNvPr id="5" name="Picture 4">
+            <a:extLst>
+              <a:ext uri="{FF2B5EF4-FFF2-40B4-BE49-F238E27FC236}">
+                <a16:creationId xmlns:a16="http://schemas.microsoft.com/office/drawing/2014/main" id="{1D9FB853-E4E5-18A2-132C-34123824D244}"/>
+              </a:ext>
+            </a:extLst>
+          </p:cNvPr>
+          <p:cNvPicPr>
+            <a:picLocks noChangeAspect="1"/>
+          </p:cNvPicPr>
+          <p:nvPr/>
+        </p:nvPicPr>
+        <p:blipFill>
+          <a:blip r:embed="rId2"/>
+          <a:stretch>
+            <a:fillRect/>
+          </a:stretch>
+        </p:blipFill>
+        <p:spPr>
+          <a:xfrm>
+            <a:off x="4077256" y="1648619"/>
+            <a:ext cx="7772400" cy="4844256"/>
+          </a:xfrm>
+          <a:prstGeom prst="rect">
+            <a:avLst/>
+          </a:prstGeom>
+        </p:spPr>
+      </p:pic>
     </p:spTree>
     <p:extLst>
       <p:ext uri="{BB962C8B-B14F-4D97-AF65-F5344CB8AC3E}">
-        <p14:creationId xmlns:p14="http://schemas.microsoft.com/office/powerpoint/2010/main" val="1966031404"/>
+        <p14:creationId xmlns:p14="http://schemas.microsoft.com/office/powerpoint/2010/main" val="3651857730"/>
       </p:ext>
     </p:extLst>
   </p:cSld>
@@ -3936,6 +3982,92 @@
           <p:cNvPr id="2" name="Title 1">
             <a:extLst>
               <a:ext uri="{FF2B5EF4-FFF2-40B4-BE49-F238E27FC236}">
+                <a16:creationId xmlns:a16="http://schemas.microsoft.com/office/drawing/2014/main" id="{9EF400D2-4FBD-DF5F-0A6D-BAF3082E4094}"/>
+              </a:ext>
+            </a:extLst>
+          </p:cNvPr>
+          <p:cNvSpPr>
+            <a:spLocks noGrp="1"/>
+          </p:cNvSpPr>
+          <p:nvPr>
+            <p:ph type="title"/>
+          </p:nvPr>
+        </p:nvSpPr>
+        <p:spPr/>
+        <p:txBody>
+          <a:bodyPr/>
+          <a:lstStyle/>
+          <a:p>
+            <a:r>
+              <a:rPr lang="en-US" dirty="0"/>
+              <a:t>Tutoring</a:t>
+            </a:r>
+          </a:p>
+        </p:txBody>
+      </p:sp>
+      <p:sp>
+        <p:nvSpPr>
+          <p:cNvPr id="3" name="Text Placeholder 2">
+            <a:extLst>
+              <a:ext uri="{FF2B5EF4-FFF2-40B4-BE49-F238E27FC236}">
+                <a16:creationId xmlns:a16="http://schemas.microsoft.com/office/drawing/2014/main" id="{563DED92-0758-A101-1B06-130253CC01C6}"/>
+              </a:ext>
+            </a:extLst>
+          </p:cNvPr>
+          <p:cNvSpPr>
+            <a:spLocks noGrp="1"/>
+          </p:cNvSpPr>
+          <p:nvPr>
+            <p:ph type="body" idx="1"/>
+          </p:nvPr>
+        </p:nvSpPr>
+        <p:spPr/>
+        <p:txBody>
+          <a:bodyPr/>
+          <a:lstStyle/>
+          <a:p>
+            <a:r>
+              <a:rPr lang="en-US" dirty="0"/>
+              <a:t>Lead By Tom, Jack</a:t>
+            </a:r>
+          </a:p>
+        </p:txBody>
+      </p:sp>
+    </p:spTree>
+    <p:extLst>
+      <p:ext uri="{BB962C8B-B14F-4D97-AF65-F5344CB8AC3E}">
+        <p14:creationId xmlns:p14="http://schemas.microsoft.com/office/powerpoint/2010/main" val="1966031404"/>
+      </p:ext>
+    </p:extLst>
+  </p:cSld>
+  <p:clrMapOvr>
+    <a:masterClrMapping/>
+  </p:clrMapOvr>
+</p:sld>
+</file>
+
+<file path=ppt/slides/slide8.xml><?xml version="1.0" encoding="utf-8"?>
+<p:sld xmlns:a="http://schemas.openxmlformats.org/drawingml/2006/main" xmlns:r="http://schemas.openxmlformats.org/officeDocument/2006/relationships" xmlns:p="http://schemas.openxmlformats.org/presentationml/2006/main">
+  <p:cSld>
+    <p:spTree>
+      <p:nvGrpSpPr>
+        <p:cNvPr id="1" name=""/>
+        <p:cNvGrpSpPr/>
+        <p:nvPr/>
+      </p:nvGrpSpPr>
+      <p:grpSpPr>
+        <a:xfrm>
+          <a:off x="0" y="0"/>
+          <a:ext cx="0" cy="0"/>
+          <a:chOff x="0" y="0"/>
+          <a:chExt cx="0" cy="0"/>
+        </a:xfrm>
+      </p:grpSpPr>
+      <p:sp>
+        <p:nvSpPr>
+          <p:cNvPr id="2" name="Title 1">
+            <a:extLst>
+              <a:ext uri="{FF2B5EF4-FFF2-40B4-BE49-F238E27FC236}">
                 <a16:creationId xmlns:a16="http://schemas.microsoft.com/office/drawing/2014/main" id="{71DBB591-CFAE-3FE4-45A3-8CCA9B53FD5C}"/>
               </a:ext>
             </a:extLst>
@@ -3987,7 +4119,7 @@
           <a:p>
             <a:r>
               <a:rPr lang="en-US" dirty="0"/>
-              <a:t>Lead by Tim Wang</a:t>
+              <a:t>Lead by Tim Wang, Eric Li</a:t>
             </a:r>
           </a:p>
         </p:txBody>
@@ -4005,7 +4137,7 @@
 </p:sld>
 </file>
 
-<file path=ppt/slides/slide8.xml><?xml version="1.0" encoding="utf-8"?>
+<file path=ppt/slides/slide9.xml><?xml version="1.0" encoding="utf-8"?>
 <p:sld xmlns:a="http://schemas.openxmlformats.org/drawingml/2006/main" xmlns:r="http://schemas.openxmlformats.org/officeDocument/2006/relationships" xmlns:p="http://schemas.openxmlformats.org/presentationml/2006/main">
   <p:cSld>
     <p:spTree>
